--- a/11-Data-Structures.pptx
+++ b/11-Data-Structures.pptx
@@ -5,7 +5,7 @@
     <p:sldMasterId id="2147483648" r:id="rId1"/>
   </p:sldMasterIdLst>
   <p:notesMasterIdLst>
-    <p:notesMasterId r:id="rId23"/>
+    <p:notesMasterId r:id="rId24"/>
   </p:notesMasterIdLst>
   <p:sldIdLst>
     <p:sldId id="256" r:id="rId2"/>
@@ -29,6 +29,7 @@
     <p:sldId id="396" r:id="rId20"/>
     <p:sldId id="268" r:id="rId21"/>
     <p:sldId id="398" r:id="rId22"/>
+    <p:sldId id="399" r:id="rId23"/>
   </p:sldIdLst>
   <p:sldSz cx="9144000" cy="6858000" type="screen4x3"/>
   <p:notesSz cx="6858000" cy="9144000"/>
@@ -3780,11 +3781,6 @@
               </a:rPr>
               <a:t>операции – например извличане на всички ключове, стой- ности или наредени двойки в структура, която може да бъде обходена чрез цикъл. </a:t>
             </a:r>
-            <a:endParaRPr lang="ru-RU" dirty="0">
-              <a:solidFill>
-                <a:schemeClr val="bg1"/>
-              </a:solidFill>
-            </a:endParaRPr>
           </a:p>
         </p:txBody>
       </p:sp>
@@ -3920,6 +3916,46 @@
                   <a:schemeClr val="bg1"/>
                 </a:solidFill>
               </a:rPr>
+              <a:t>Dictionary&lt;string</a:t>
+            </a:r>
+            <a:r>
+              <a:rPr lang="bg-BG" dirty="0" smtClean="0">
+                <a:solidFill>
+                  <a:schemeClr val="bg1"/>
+                </a:solidFill>
+              </a:rPr>
+              <a:t>,</a:t>
+            </a:r>
+            <a:r>
+              <a:rPr lang="en-US" dirty="0" smtClean="0">
+                <a:solidFill>
+                  <a:schemeClr val="bg1"/>
+                </a:solidFill>
+              </a:rPr>
+              <a:t>double&gt; </a:t>
+            </a:r>
+            <a:r>
+              <a:rPr lang="en-US" dirty="0" err="1">
+                <a:solidFill>
+                  <a:schemeClr val="bg1"/>
+                </a:solidFill>
+              </a:rPr>
+              <a:t>studentMarks</a:t>
+            </a:r>
+            <a:r>
+              <a:rPr lang="en-US" dirty="0">
+                <a:solidFill>
+                  <a:schemeClr val="bg1"/>
+                </a:solidFill>
+              </a:rPr>
+              <a:t> = new </a:t>
+            </a:r>
+            <a:r>
+              <a:rPr lang="en-US" dirty="0" smtClean="0">
+                <a:solidFill>
+                  <a:schemeClr val="bg1"/>
+                </a:solidFill>
+              </a:rPr>
               <a:t>Dictionary&lt;</a:t>
             </a:r>
             <a:r>
@@ -3928,7 +3964,7 @@
                   <a:schemeClr val="bg1"/>
                 </a:solidFill>
               </a:rPr>
-              <a:t>string,int</a:t>
+              <a:t>string,double</a:t>
             </a:r>
             <a:r>
               <a:rPr lang="en-US" dirty="0" smtClean="0">
@@ -3936,63 +3972,7 @@
                   <a:schemeClr val="bg1"/>
                 </a:solidFill>
               </a:rPr>
-              <a:t>&gt; </a:t>
-            </a:r>
-            <a:r>
-              <a:rPr lang="en-US" dirty="0" err="1">
-                <a:solidFill>
-                  <a:schemeClr val="bg1"/>
-                </a:solidFill>
-              </a:rPr>
-              <a:t>studentMarks</a:t>
-            </a:r>
-            <a:r>
-              <a:rPr lang="en-US" dirty="0">
-                <a:solidFill>
-                  <a:schemeClr val="bg1"/>
-                </a:solidFill>
-              </a:rPr>
-              <a:t> = new </a:t>
-            </a:r>
-            <a:r>
-              <a:rPr lang="en-US" dirty="0" smtClean="0">
-                <a:solidFill>
-                  <a:schemeClr val="bg1"/>
-                </a:solidFill>
-              </a:rPr>
-              <a:t>Dictionary</a:t>
-            </a:r>
-            <a:r>
-              <a:rPr lang="en-US" dirty="0">
-                <a:solidFill>
-                  <a:schemeClr val="bg1"/>
-                </a:solidFill>
-              </a:rPr>
-              <a:t>&lt;</a:t>
-            </a:r>
-            <a:r>
-              <a:rPr lang="en-US" dirty="0" err="1">
-                <a:solidFill>
-                  <a:schemeClr val="bg1"/>
-                </a:solidFill>
-              </a:rPr>
-              <a:t>string,int</a:t>
-            </a:r>
-            <a:r>
-              <a:rPr lang="en-US" dirty="0">
-                <a:solidFill>
-                  <a:schemeClr val="bg1"/>
-                </a:solidFill>
-              </a:rPr>
-              <a:t>&gt; </a:t>
-            </a:r>
-            <a:r>
-              <a:rPr lang="en-US" dirty="0" smtClean="0">
-                <a:solidFill>
-                  <a:schemeClr val="bg1"/>
-                </a:solidFill>
-              </a:rPr>
-              <a:t>(); </a:t>
+              <a:t>&gt; (); </a:t>
             </a:r>
             <a:endParaRPr lang="bg-BG" dirty="0" smtClean="0">
               <a:solidFill>
@@ -4819,11 +4799,6 @@
               </a:rPr>
               <a:t>Множествата са колекции, в които няма повтарящи се елементи. В контекста на .NET това ще означава, че за всеки обект от множества извиквайки метода му Еquals(), като подаваме като аргумент някои от другите обекти в множеството резултатът винаги ще е false. </a:t>
             </a:r>
-            <a:endParaRPr lang="ru-RU" dirty="0">
-              <a:solidFill>
-                <a:schemeClr val="bg1"/>
-              </a:solidFill>
-            </a:endParaRPr>
           </a:p>
         </p:txBody>
       </p:sp>
@@ -5266,11 +5241,6 @@
               </a:rPr>
               <a:t>Count – свойство което връща текущия брой на елементите в множеството</a:t>
             </a:r>
-            <a:endParaRPr lang="ru-RU" dirty="0">
-              <a:solidFill>
-                <a:schemeClr val="bg1"/>
-              </a:solidFill>
-            </a:endParaRPr>
           </a:p>
         </p:txBody>
       </p:sp>
@@ -5424,11 +5394,6 @@
               </a:rPr>
               <a:t>Този клас, подобно на Dictionary, има конструктори, чрез които може да се зададат списък с елементи, както и имплементация на IEqualityComparer, за който споменахме по-рано. Те имат същият смисъл, защото тук отново използваме хеш-таблица</a:t>
             </a:r>
-            <a:endParaRPr lang="ru-RU" dirty="0">
-              <a:solidFill>
-                <a:schemeClr val="bg1"/>
-              </a:solidFill>
-            </a:endParaRPr>
           </a:p>
         </p:txBody>
       </p:sp>
@@ -6188,6 +6153,303 @@
 </p:sld>
 </file>
 
+<file path=ppt/slides/slide22.xml><?xml version="1.0" encoding="utf-8"?>
+<p:sld xmlns:a="http://schemas.openxmlformats.org/drawingml/2006/main" xmlns:r="http://schemas.openxmlformats.org/officeDocument/2006/relationships" xmlns:p="http://schemas.openxmlformats.org/presentationml/2006/main">
+  <p:cSld>
+    <p:spTree>
+      <p:nvGrpSpPr>
+        <p:cNvPr id="1" name=""/>
+        <p:cNvGrpSpPr/>
+        <p:nvPr/>
+      </p:nvGrpSpPr>
+      <p:grpSpPr>
+        <a:xfrm>
+          <a:off x="0" y="0"/>
+          <a:ext cx="0" cy="0"/>
+          <a:chOff x="0" y="0"/>
+          <a:chExt cx="0" cy="0"/>
+        </a:xfrm>
+      </p:grpSpPr>
+      <p:sp>
+        <p:nvSpPr>
+          <p:cNvPr id="2" name="Title 1"/>
+          <p:cNvSpPr>
+            <a:spLocks noGrp="1"/>
+          </p:cNvSpPr>
+          <p:nvPr>
+            <p:ph type="title"/>
+          </p:nvPr>
+        </p:nvSpPr>
+        <p:spPr/>
+        <p:txBody>
+          <a:bodyPr/>
+          <a:lstStyle/>
+          <a:p>
+            <a:r>
+              <a:rPr lang="bg-BG">
+                <a:solidFill>
+                  <a:schemeClr val="accent6"/>
+                </a:solidFill>
+              </a:rPr>
+              <a:t>Задачи за домашна работа</a:t>
+            </a:r>
+            <a:endParaRPr lang="en-US"/>
+          </a:p>
+        </p:txBody>
+      </p:sp>
+      <p:sp>
+        <p:nvSpPr>
+          <p:cNvPr id="3" name="Content Placeholder 2"/>
+          <p:cNvSpPr>
+            <a:spLocks noGrp="1"/>
+          </p:cNvSpPr>
+          <p:nvPr>
+            <p:ph idx="1"/>
+          </p:nvPr>
+        </p:nvSpPr>
+        <p:spPr/>
+        <p:txBody>
+          <a:bodyPr>
+            <a:normAutofit fontScale="77500" lnSpcReduction="20000"/>
+          </a:bodyPr>
+          <a:lstStyle/>
+          <a:p>
+            <a:pPr marL="0" indent="0">
+              <a:buNone/>
+            </a:pPr>
+            <a:r>
+              <a:rPr lang="ru-RU" dirty="0">
+                <a:solidFill>
+                  <a:schemeClr val="bg1"/>
+                </a:solidFill>
+              </a:rPr>
+              <a:t>Дадени са три редици от числа, дефинирани чрез формулите</a:t>
+            </a:r>
+            <a:r>
+              <a:rPr lang="ru-RU" dirty="0" smtClean="0">
+                <a:solidFill>
+                  <a:schemeClr val="bg1"/>
+                </a:solidFill>
+              </a:rPr>
+              <a:t>:</a:t>
+            </a:r>
+          </a:p>
+          <a:p>
+            <a:pPr marL="0" indent="0">
+              <a:buNone/>
+            </a:pPr>
+            <a:r>
+              <a:rPr lang="ru-RU" dirty="0" smtClean="0">
+                <a:solidFill>
+                  <a:schemeClr val="bg1"/>
+                </a:solidFill>
+              </a:rPr>
+              <a:t>- arr(0) = 1; arr(k) = 2*arr(k-1) + 3; arr = {1, 5, 13, 29, …}</a:t>
+            </a:r>
+          </a:p>
+          <a:p>
+            <a:pPr marL="0" indent="0">
+              <a:buNone/>
+            </a:pPr>
+            <a:r>
+              <a:rPr lang="ru-RU" dirty="0" smtClean="0">
+                <a:solidFill>
+                  <a:schemeClr val="bg1"/>
+                </a:solidFill>
+              </a:rPr>
+              <a:t>- </a:t>
+            </a:r>
+            <a:r>
+              <a:rPr lang="ru-RU" dirty="0">
+                <a:solidFill>
+                  <a:schemeClr val="bg1"/>
+                </a:solidFill>
+              </a:rPr>
+              <a:t>f2(0) = 2; f2(k) = 3*f2(k-1) + 1; f2 = {2, 7, 22, 67, …}</a:t>
+            </a:r>
+          </a:p>
+          <a:p>
+            <a:pPr marL="0" indent="0">
+              <a:buNone/>
+            </a:pPr>
+            <a:r>
+              <a:rPr lang="ru-RU" dirty="0">
+                <a:solidFill>
+                  <a:schemeClr val="bg1"/>
+                </a:solidFill>
+              </a:rPr>
+              <a:t>- f3(0) = 2; f3(k) = 2*f3(k-1) - 1; f3 = {2, 3, 5, 9, …}</a:t>
+            </a:r>
+          </a:p>
+          <a:p>
+            <a:pPr marL="0" indent="0">
+              <a:buNone/>
+            </a:pPr>
+            <a:r>
+              <a:rPr lang="en-US" dirty="0" smtClean="0">
+                <a:solidFill>
+                  <a:schemeClr val="bg1"/>
+                </a:solidFill>
+              </a:rPr>
+              <a:t>	</a:t>
+            </a:r>
+            <a:r>
+              <a:rPr lang="ru-RU" dirty="0" smtClean="0">
+                <a:solidFill>
+                  <a:schemeClr val="bg1"/>
+                </a:solidFill>
+              </a:rPr>
+              <a:t>Напишете </a:t>
+            </a:r>
+            <a:r>
+              <a:rPr lang="ru-RU" dirty="0">
+                <a:solidFill>
+                  <a:schemeClr val="bg1"/>
+                </a:solidFill>
+              </a:rPr>
+              <a:t>програма, която намира сечението и обединението </a:t>
+            </a:r>
+            <a:r>
+              <a:rPr lang="ru-RU" dirty="0" smtClean="0">
+                <a:solidFill>
+                  <a:schemeClr val="bg1"/>
+                </a:solidFill>
+              </a:rPr>
+              <a:t>на</a:t>
+            </a:r>
+            <a:r>
+              <a:rPr lang="en-US" dirty="0" smtClean="0">
+                <a:solidFill>
+                  <a:schemeClr val="bg1"/>
+                </a:solidFill>
+              </a:rPr>
+              <a:t> </a:t>
+            </a:r>
+            <a:r>
+              <a:rPr lang="ru-RU" dirty="0" smtClean="0">
+                <a:solidFill>
+                  <a:schemeClr val="bg1"/>
+                </a:solidFill>
+              </a:rPr>
+              <a:t>множествата </a:t>
+            </a:r>
+            <a:r>
+              <a:rPr lang="ru-RU" dirty="0">
+                <a:solidFill>
+                  <a:schemeClr val="bg1"/>
+                </a:solidFill>
+              </a:rPr>
+              <a:t>от членовете на редиците в интервала [0; 100000]: </a:t>
+            </a:r>
+            <a:endParaRPr lang="en-US" dirty="0" smtClean="0">
+              <a:solidFill>
+                <a:schemeClr val="bg1"/>
+              </a:solidFill>
+            </a:endParaRPr>
+          </a:p>
+          <a:p>
+            <a:pPr marL="0" indent="0">
+              <a:buNone/>
+            </a:pPr>
+            <a:r>
+              <a:rPr lang="en-US" dirty="0" smtClean="0">
+                <a:solidFill>
+                  <a:schemeClr val="bg1"/>
+                </a:solidFill>
+              </a:rPr>
+              <a:t>	</a:t>
+            </a:r>
+            <a:r>
+              <a:rPr lang="ru-RU" dirty="0" smtClean="0">
+                <a:solidFill>
+                  <a:schemeClr val="bg1"/>
+                </a:solidFill>
+              </a:rPr>
+              <a:t>f1 *</a:t>
+            </a:r>
+            <a:r>
+              <a:rPr lang="en-US" dirty="0" smtClean="0">
+                <a:solidFill>
+                  <a:schemeClr val="bg1"/>
+                </a:solidFill>
+              </a:rPr>
+              <a:t> </a:t>
+            </a:r>
+            <a:r>
+              <a:rPr lang="ru-RU" dirty="0" smtClean="0">
+                <a:solidFill>
+                  <a:schemeClr val="bg1"/>
+                </a:solidFill>
+              </a:rPr>
+              <a:t>f2</a:t>
+            </a:r>
+            <a:r>
+              <a:rPr lang="ru-RU" dirty="0">
+                <a:solidFill>
+                  <a:schemeClr val="bg1"/>
+                </a:solidFill>
+              </a:rPr>
+              <a:t>; f1 * f3; f2 * f3; f1 * f2 * f3; f1 + f2; f1 + f3; f2 + f3; f1 + f2 + f3. </a:t>
+            </a:r>
+          </a:p>
+          <a:p>
+            <a:pPr marL="0" indent="0">
+              <a:buNone/>
+            </a:pPr>
+            <a:r>
+              <a:rPr lang="en-US" dirty="0" smtClean="0">
+                <a:solidFill>
+                  <a:schemeClr val="bg1"/>
+                </a:solidFill>
+              </a:rPr>
+              <a:t>	</a:t>
+            </a:r>
+            <a:r>
+              <a:rPr lang="ru-RU" dirty="0" smtClean="0">
+                <a:solidFill>
+                  <a:schemeClr val="bg1"/>
+                </a:solidFill>
+              </a:rPr>
+              <a:t>Със </a:t>
+            </a:r>
+            <a:r>
+              <a:rPr lang="ru-RU" dirty="0">
+                <a:solidFill>
+                  <a:schemeClr val="bg1"/>
+                </a:solidFill>
+              </a:rPr>
+              <a:t>символите + и * означаваме съответно обединение и сечение на множества.</a:t>
+            </a:r>
+          </a:p>
+          <a:p>
+            <a:endParaRPr lang="ru-RU" dirty="0">
+              <a:solidFill>
+                <a:schemeClr val="bg1"/>
+              </a:solidFill>
+            </a:endParaRPr>
+          </a:p>
+          <a:p>
+            <a:endParaRPr lang="en-US" dirty="0">
+              <a:solidFill>
+                <a:schemeClr val="bg1"/>
+              </a:solidFill>
+            </a:endParaRPr>
+          </a:p>
+        </p:txBody>
+      </p:sp>
+    </p:spTree>
+    <p:extLst>
+      <p:ext uri="{BB962C8B-B14F-4D97-AF65-F5344CB8AC3E}">
+        <p14:creationId xmlns:p14="http://schemas.microsoft.com/office/powerpoint/2010/main" val="3943182086"/>
+      </p:ext>
+    </p:extLst>
+  </p:cSld>
+  <p:clrMapOvr>
+    <a:masterClrMapping/>
+  </p:clrMapOvr>
+</p:sld>
+</file>
+
 <file path=ppt/slides/slide3.xml><?xml version="1.0" encoding="utf-8"?>
 <p:sld xmlns:a="http://schemas.openxmlformats.org/drawingml/2006/main" xmlns:r="http://schemas.openxmlformats.org/officeDocument/2006/relationships" xmlns:p="http://schemas.openxmlformats.org/presentationml/2006/main">
   <p:cSld>
@@ -6286,11 +6548,6 @@
               </a:rPr>
               <a:t>В програмирането абстрактната структура данни "речник" представлява съвкупност от наредени двойки (ключ, стойност), заедно с дефинирани операции за достъп до стойностите по ключ</a:t>
             </a:r>
-            <a:endParaRPr lang="ru-RU" dirty="0">
-              <a:solidFill>
-                <a:schemeClr val="bg1"/>
-              </a:solidFill>
-            </a:endParaRPr>
           </a:p>
         </p:txBody>
       </p:sp>
@@ -6461,11 +6718,6 @@
               </a:rPr>
               <a:t>Remove(key) – премахва стойността за този ключ от речника. Освен това връща дали е премахнат елемент от речника. </a:t>
             </a:r>
-            <a:endParaRPr lang="ru-RU" dirty="0">
-              <a:solidFill>
-                <a:schemeClr val="bg1"/>
-              </a:solidFill>
-            </a:endParaRPr>
           </a:p>
         </p:txBody>
       </p:sp>
@@ -7020,11 +7272,6 @@
               </a:rPr>
               <a:t>наричаме реално число между 0 и 1, което съответства на отношението между броя на запълнените елементи и текущия капацитет.</a:t>
             </a:r>
-            <a:endParaRPr lang="ru-RU" dirty="0">
-              <a:solidFill>
-                <a:schemeClr val="bg1"/>
-              </a:solidFill>
-            </a:endParaRPr>
           </a:p>
         </p:txBody>
       </p:sp>
@@ -7232,11 +7479,6 @@
               </a:rPr>
               <a:t>по-добра ефективност. По подразбиране стойността на началния капацитет е 16, а на максималната степен на запълване е 0.75.</a:t>
             </a:r>
-            <a:endParaRPr lang="ru-RU" dirty="0">
-              <a:solidFill>
-                <a:schemeClr val="bg1"/>
-              </a:solidFill>
-            </a:endParaRPr>
           </a:p>
         </p:txBody>
       </p:sp>
@@ -7466,11 +7708,6 @@
               </a:rPr>
               <a:t>Clear() премахва всички елементи от речника. </a:t>
             </a:r>
-            <a:endParaRPr lang="ru-RU" dirty="0">
-              <a:solidFill>
-                <a:schemeClr val="bg1"/>
-              </a:solidFill>
-            </a:endParaRPr>
           </a:p>
         </p:txBody>
       </p:sp>
